--- a/20180822_report.pptx
+++ b/20180822_report.pptx
@@ -259,7 +259,7 @@
           <a:p>
             <a:fld id="{37541FC7-C6BF-4B04-A077-3125A26CE631}" type="datetimeFigureOut">
               <a:rPr lang="zh-TW" altLang="en-US" smtClean="0"/>
-              <a:t>2018/8/23</a:t>
+              <a:t>2018/8/31</a:t>
             </a:fld>
             <a:endParaRPr lang="zh-TW" altLang="en-US"/>
           </a:p>
@@ -457,7 +457,7 @@
           <a:p>
             <a:fld id="{37541FC7-C6BF-4B04-A077-3125A26CE631}" type="datetimeFigureOut">
               <a:rPr lang="zh-TW" altLang="en-US" smtClean="0"/>
-              <a:t>2018/8/23</a:t>
+              <a:t>2018/8/31</a:t>
             </a:fld>
             <a:endParaRPr lang="zh-TW" altLang="en-US"/>
           </a:p>
@@ -665,7 +665,7 @@
           <a:p>
             <a:fld id="{37541FC7-C6BF-4B04-A077-3125A26CE631}" type="datetimeFigureOut">
               <a:rPr lang="zh-TW" altLang="en-US" smtClean="0"/>
-              <a:t>2018/8/23</a:t>
+              <a:t>2018/8/31</a:t>
             </a:fld>
             <a:endParaRPr lang="zh-TW" altLang="en-US"/>
           </a:p>
@@ -863,7 +863,7 @@
           <a:p>
             <a:fld id="{37541FC7-C6BF-4B04-A077-3125A26CE631}" type="datetimeFigureOut">
               <a:rPr lang="zh-TW" altLang="en-US" smtClean="0"/>
-              <a:t>2018/8/23</a:t>
+              <a:t>2018/8/31</a:t>
             </a:fld>
             <a:endParaRPr lang="zh-TW" altLang="en-US"/>
           </a:p>
@@ -1138,7 +1138,7 @@
           <a:p>
             <a:fld id="{37541FC7-C6BF-4B04-A077-3125A26CE631}" type="datetimeFigureOut">
               <a:rPr lang="zh-TW" altLang="en-US" smtClean="0"/>
-              <a:t>2018/8/23</a:t>
+              <a:t>2018/8/31</a:t>
             </a:fld>
             <a:endParaRPr lang="zh-TW" altLang="en-US"/>
           </a:p>
@@ -1403,7 +1403,7 @@
           <a:p>
             <a:fld id="{37541FC7-C6BF-4B04-A077-3125A26CE631}" type="datetimeFigureOut">
               <a:rPr lang="zh-TW" altLang="en-US" smtClean="0"/>
-              <a:t>2018/8/23</a:t>
+              <a:t>2018/8/31</a:t>
             </a:fld>
             <a:endParaRPr lang="zh-TW" altLang="en-US"/>
           </a:p>
@@ -1815,7 +1815,7 @@
           <a:p>
             <a:fld id="{37541FC7-C6BF-4B04-A077-3125A26CE631}" type="datetimeFigureOut">
               <a:rPr lang="zh-TW" altLang="en-US" smtClean="0"/>
-              <a:t>2018/8/23</a:t>
+              <a:t>2018/8/31</a:t>
             </a:fld>
             <a:endParaRPr lang="zh-TW" altLang="en-US"/>
           </a:p>
@@ -1956,7 +1956,7 @@
           <a:p>
             <a:fld id="{37541FC7-C6BF-4B04-A077-3125A26CE631}" type="datetimeFigureOut">
               <a:rPr lang="zh-TW" altLang="en-US" smtClean="0"/>
-              <a:t>2018/8/23</a:t>
+              <a:t>2018/8/31</a:t>
             </a:fld>
             <a:endParaRPr lang="zh-TW" altLang="en-US"/>
           </a:p>
@@ -2069,7 +2069,7 @@
           <a:p>
             <a:fld id="{37541FC7-C6BF-4B04-A077-3125A26CE631}" type="datetimeFigureOut">
               <a:rPr lang="zh-TW" altLang="en-US" smtClean="0"/>
-              <a:t>2018/8/23</a:t>
+              <a:t>2018/8/31</a:t>
             </a:fld>
             <a:endParaRPr lang="zh-TW" altLang="en-US"/>
           </a:p>
@@ -2380,7 +2380,7 @@
           <a:p>
             <a:fld id="{37541FC7-C6BF-4B04-A077-3125A26CE631}" type="datetimeFigureOut">
               <a:rPr lang="zh-TW" altLang="en-US" smtClean="0"/>
-              <a:t>2018/8/23</a:t>
+              <a:t>2018/8/31</a:t>
             </a:fld>
             <a:endParaRPr lang="zh-TW" altLang="en-US"/>
           </a:p>
@@ -2668,7 +2668,7 @@
           <a:p>
             <a:fld id="{37541FC7-C6BF-4B04-A077-3125A26CE631}" type="datetimeFigureOut">
               <a:rPr lang="zh-TW" altLang="en-US" smtClean="0"/>
-              <a:t>2018/8/23</a:t>
+              <a:t>2018/8/31</a:t>
             </a:fld>
             <a:endParaRPr lang="zh-TW" altLang="en-US"/>
           </a:p>
@@ -2909,7 +2909,7 @@
           <a:p>
             <a:fld id="{37541FC7-C6BF-4B04-A077-3125A26CE631}" type="datetimeFigureOut">
               <a:rPr lang="zh-TW" altLang="en-US" smtClean="0"/>
-              <a:t>2018/8/23</a:t>
+              <a:t>2018/8/31</a:t>
             </a:fld>
             <a:endParaRPr lang="zh-TW" altLang="en-US"/>
           </a:p>
@@ -4793,8 +4793,8 @@
           </a:p>
         </p:txBody>
       </p:sp>
-      <mc:AlternateContent xmlns:mc="http://schemas.openxmlformats.org/markup-compatibility/2006">
-        <mc:Choice xmlns:a14="http://schemas.microsoft.com/office/drawing/2010/main" Requires="a14">
+      <mc:AlternateContent xmlns:mc="http://schemas.openxmlformats.org/markup-compatibility/2006" xmlns:a14="http://schemas.microsoft.com/office/drawing/2010/main">
+        <mc:Choice Requires="a14">
           <p:sp>
             <p:nvSpPr>
               <p:cNvPr id="7" name="矩形 6">
@@ -4822,6 +4822,7 @@
               </a:bodyPr>
               <a:lstStyle/>
               <a:p>
+                <a:pPr/>
                 <a14:m>
                   <m:oMathPara xmlns:m="http://schemas.openxmlformats.org/officeDocument/2006/math">
                     <m:oMathParaPr>
@@ -5397,7 +5398,7 @@
             </p:txBody>
           </p:sp>
         </mc:Choice>
-        <mc:Fallback>
+        <mc:Fallback xmlns="">
           <p:sp>
             <p:nvSpPr>
               <p:cNvPr id="7" name="矩形 6">
